--- a/Project Docs/J58-Presentation.pptx
+++ b/Project Docs/J58-Presentation.pptx
@@ -4747,7 +4747,7 @@
           <p:nvPr/>
         </p:nvPicPr>
         <p:blipFill rotWithShape="1">
-          <a:blip r:embed="rId2">
+          <a:blip r:embed="rId2" cstate="print">
             <a:extLst>
               <a:ext uri="{28A0092B-C50C-407E-A947-70E740481C1C}">
                 <a14:useLocalDpi xmlns:a14="http://schemas.microsoft.com/office/drawing/2010/main" val="0"/>
@@ -5065,14 +5065,9 @@
           <a:bodyPr/>
           <a:lstStyle/>
           <a:p>
-            <a:pPr>
-              <a:spcBef>
-                <a:spcPts val="1200"/>
-              </a:spcBef>
-            </a:pPr>
             <a:r>
-              <a:rPr lang="en-US" altLang="en-US" sz="2800" dirty="0"/>
-              <a:t>INSERT PROBLEM STATEMENT</a:t>
+              <a:rPr lang="en-US" sz="1800" dirty="0"/>
+              <a:t>To gain a better understanding of turbojet engines it is important to analyze the engine characteristics over a range of condition to fully grasp the capabilities of the engine. To that end, an analytical model will be developed that describes the impact of changes in component characterization on the overall performance of a turbojet engine. This will be done for a range of conditions to survey the design space. </a:t>
             </a:r>
           </a:p>
         </p:txBody>
@@ -5202,7 +5197,7 @@
           <p:nvPr/>
         </p:nvPicPr>
         <p:blipFill>
-          <a:blip r:embed="rId2">
+          <a:blip r:embed="rId2" cstate="print">
             <a:extLst>
               <a:ext uri="{28A0092B-C50C-407E-A947-70E740481C1C}">
                 <a14:useLocalDpi xmlns:a14="http://schemas.microsoft.com/office/drawing/2010/main" val="0"/>
@@ -9182,14 +9177,14 @@
           <p:nvPr>
             <p:extLst>
               <p:ext uri="{D42A27DB-BD31-4B8C-83A1-F6EECF244321}">
-                <p14:modId xmlns:p14="http://schemas.microsoft.com/office/powerpoint/2010/main" val="3075194799"/>
+                <p14:modId xmlns:p14="http://schemas.microsoft.com/office/powerpoint/2010/main" val="1914871661"/>
               </p:ext>
             </p:extLst>
           </p:nvPr>
         </p:nvGraphicFramePr>
         <p:xfrm>
           <a:off x="685800" y="2382724"/>
-          <a:ext cx="7772398" cy="3865680"/>
+          <a:ext cx="7772398" cy="4056000"/>
         </p:xfrm>
         <a:graphic>
           <a:graphicData uri="http://schemas.openxmlformats.org/drawingml/2006/table">
@@ -10194,12 +10189,12 @@
                         </a:spcAft>
                       </a:pPr>
                       <a:r>
-                        <a:rPr lang="en-US" sz="1600">
+                        <a:rPr lang="en-US" sz="1600" dirty="0">
                           <a:effectLst/>
                         </a:rPr>
                         <a:t>Lowest Altitude at Mach 1.0</a:t>
                       </a:r>
-                      <a:endParaRPr lang="en-US" sz="1600">
+                      <a:endParaRPr lang="en-US" sz="1600" dirty="0">
                         <a:effectLst/>
                         <a:latin typeface="Times New Roman" panose="02020603050405020304" pitchFamily="18" charset="0"/>
                         <a:ea typeface="Times New Roman" panose="02020603050405020304" pitchFamily="18" charset="0"/>
@@ -10250,12 +10245,12 @@
                         </a:spcAft>
                       </a:pPr>
                       <a:r>
-                        <a:rPr lang="en-US" sz="1800">
+                        <a:rPr lang="en-US" sz="1800" dirty="0">
                           <a:effectLst/>
                         </a:rPr>
                         <a:t>1.0</a:t>
                       </a:r>
-                      <a:endParaRPr lang="en-US" sz="1800">
+                      <a:endParaRPr lang="en-US" sz="1800" dirty="0">
                         <a:effectLst/>
                         <a:latin typeface="Times New Roman" panose="02020603050405020304" pitchFamily="18" charset="0"/>
                         <a:ea typeface="Times New Roman" panose="02020603050405020304" pitchFamily="18" charset="0"/>
@@ -10313,16 +10308,13 @@
                         </a:spcAft>
                       </a:pPr>
                       <a:r>
-                        <a:rPr lang="en-US" sz="1600">
-                          <a:effectLst/>
-                        </a:rPr>
-                        <a:t>9</a:t>
-                      </a:r>
-                      <a:endParaRPr lang="en-US" sz="1600">
-                        <a:effectLst/>
-                        <a:latin typeface="Times New Roman" panose="02020603050405020304" pitchFamily="18" charset="0"/>
-                        <a:ea typeface="Times New Roman" panose="02020603050405020304" pitchFamily="18" charset="0"/>
-                      </a:endParaRPr>
+                        <a:rPr lang="en-US" sz="1600" dirty="0">
+                          <a:effectLst/>
+                          <a:latin typeface="+mn-lt"/>
+                          <a:ea typeface="Times New Roman" panose="02020603050405020304" pitchFamily="18" charset="0"/>
+                        </a:rPr>
+                        <a:t>Maximum payload research mission[5]</a:t>
+                      </a:r>
                     </a:p>
                   </a:txBody>
                   <a:tcPr marL="68580" marR="68580" marT="0" marB="0"/>
@@ -10341,12 +10333,12 @@
                         </a:spcAft>
                       </a:pPr>
                       <a:r>
-                        <a:rPr lang="en-US" sz="1800">
-                          <a:effectLst/>
-                        </a:rPr>
-                        <a:t> </a:t>
-                      </a:r>
-                      <a:endParaRPr lang="en-US" sz="1800">
+                        <a:rPr lang="en-US" sz="1800" dirty="0">
+                          <a:effectLst/>
+                        </a:rPr>
+                        <a:t>70000 </a:t>
+                      </a:r>
+                      <a:endParaRPr lang="en-US" sz="1800" dirty="0">
                         <a:effectLst/>
                         <a:latin typeface="Times New Roman" panose="02020603050405020304" pitchFamily="18" charset="0"/>
                         <a:ea typeface="Times New Roman" panose="02020603050405020304" pitchFamily="18" charset="0"/>
@@ -10369,12 +10361,12 @@
                         </a:spcAft>
                       </a:pPr>
                       <a:r>
-                        <a:rPr lang="en-US" sz="1800">
-                          <a:effectLst/>
-                        </a:rPr>
-                        <a:t> </a:t>
-                      </a:r>
-                      <a:endParaRPr lang="en-US" sz="1800">
+                        <a:rPr lang="en-US" sz="1800" dirty="0">
+                          <a:effectLst/>
+                        </a:rPr>
+                        <a:t>3.0</a:t>
+                      </a:r>
+                      <a:endParaRPr lang="en-US" sz="1800" dirty="0">
                         <a:effectLst/>
                         <a:latin typeface="Times New Roman" panose="02020603050405020304" pitchFamily="18" charset="0"/>
                         <a:ea typeface="Times New Roman" panose="02020603050405020304" pitchFamily="18" charset="0"/>
@@ -10397,12 +10389,12 @@
                         </a:spcAft>
                       </a:pPr>
                       <a:r>
-                        <a:rPr lang="en-US" sz="1800">
-                          <a:effectLst/>
-                        </a:rPr>
-                        <a:t> </a:t>
-                      </a:r>
-                      <a:endParaRPr lang="en-US" sz="1800">
+                        <a:rPr lang="en-US" sz="1800" dirty="0">
+                          <a:effectLst/>
+                        </a:rPr>
+                        <a:t>ON </a:t>
+                      </a:r>
+                      <a:endParaRPr lang="en-US" sz="1800" dirty="0">
                         <a:effectLst/>
                         <a:latin typeface="Times New Roman" panose="02020603050405020304" pitchFamily="18" charset="0"/>
                         <a:ea typeface="Times New Roman" panose="02020603050405020304" pitchFamily="18" charset="0"/>
@@ -10432,16 +10424,13 @@
                         </a:spcAft>
                       </a:pPr>
                       <a:r>
-                        <a:rPr lang="en-US" sz="1600">
-                          <a:effectLst/>
-                        </a:rPr>
-                        <a:t>10</a:t>
-                      </a:r>
-                      <a:endParaRPr lang="en-US" sz="1600">
-                        <a:effectLst/>
-                        <a:latin typeface="Times New Roman" panose="02020603050405020304" pitchFamily="18" charset="0"/>
-                        <a:ea typeface="Times New Roman" panose="02020603050405020304" pitchFamily="18" charset="0"/>
-                      </a:endParaRPr>
+                        <a:rPr lang="en-US" sz="1600" dirty="0">
+                          <a:effectLst/>
+                          <a:latin typeface="+mn-lt"/>
+                          <a:ea typeface="Times New Roman" panose="02020603050405020304" pitchFamily="18" charset="0"/>
+                        </a:rPr>
+                        <a:t>Cruising airplane capacity[5]</a:t>
+                      </a:r>
                     </a:p>
                   </a:txBody>
                   <a:tcPr marL="68580" marR="68580" marT="0" marB="0"/>
@@ -10460,12 +10449,12 @@
                         </a:spcAft>
                       </a:pPr>
                       <a:r>
-                        <a:rPr lang="en-US" sz="1800">
-                          <a:effectLst/>
-                        </a:rPr>
-                        <a:t> </a:t>
-                      </a:r>
-                      <a:endParaRPr lang="en-US" sz="1800">
+                        <a:rPr lang="en-US" sz="1800" dirty="0">
+                          <a:effectLst/>
+                        </a:rPr>
+                        <a:t>85000 </a:t>
+                      </a:r>
+                      <a:endParaRPr lang="en-US" sz="1800" dirty="0">
                         <a:effectLst/>
                         <a:latin typeface="Times New Roman" panose="02020603050405020304" pitchFamily="18" charset="0"/>
                         <a:ea typeface="Times New Roman" panose="02020603050405020304" pitchFamily="18" charset="0"/>
@@ -10488,12 +10477,12 @@
                         </a:spcAft>
                       </a:pPr>
                       <a:r>
-                        <a:rPr lang="en-US" sz="1800">
-                          <a:effectLst/>
-                        </a:rPr>
-                        <a:t> </a:t>
-                      </a:r>
-                      <a:endParaRPr lang="en-US" sz="1800">
+                        <a:rPr lang="en-US" sz="1800" dirty="0">
+                          <a:effectLst/>
+                        </a:rPr>
+                        <a:t>3.0 </a:t>
+                      </a:r>
+                      <a:endParaRPr lang="en-US" sz="1800" dirty="0">
                         <a:effectLst/>
                         <a:latin typeface="Times New Roman" panose="02020603050405020304" pitchFamily="18" charset="0"/>
                         <a:ea typeface="Times New Roman" panose="02020603050405020304" pitchFamily="18" charset="0"/>
@@ -10519,7 +10508,7 @@
                         <a:rPr lang="en-US" sz="1800" dirty="0">
                           <a:effectLst/>
                         </a:rPr>
-                        <a:t> </a:t>
+                        <a:t>ON </a:t>
                       </a:r>
                       <a:endParaRPr lang="en-US" sz="1800" dirty="0">
                         <a:effectLst/>
@@ -10551,16 +10540,13 @@
                         </a:spcAft>
                       </a:pPr>
                       <a:r>
-                        <a:rPr lang="en-US" sz="1600">
-                          <a:effectLst/>
-                        </a:rPr>
-                        <a:t>11</a:t>
-                      </a:r>
-                      <a:endParaRPr lang="en-US" sz="1600">
-                        <a:effectLst/>
-                        <a:latin typeface="Times New Roman" panose="02020603050405020304" pitchFamily="18" charset="0"/>
-                        <a:ea typeface="Times New Roman" panose="02020603050405020304" pitchFamily="18" charset="0"/>
-                      </a:endParaRPr>
+                        <a:rPr lang="en-US" sz="1600" dirty="0">
+                          <a:effectLst/>
+                          <a:latin typeface="+mn-lt"/>
+                          <a:ea typeface="Times New Roman" panose="02020603050405020304" pitchFamily="18" charset="0"/>
+                        </a:rPr>
+                        <a:t>Constant climb</a:t>
+                      </a:r>
                     </a:p>
                   </a:txBody>
                   <a:tcPr marL="68580" marR="68580" marT="0" marB="0"/>
@@ -10579,16 +10565,13 @@
                         </a:spcAft>
                       </a:pPr>
                       <a:r>
-                        <a:rPr lang="en-US" sz="1800">
-                          <a:effectLst/>
-                        </a:rPr>
-                        <a:t> </a:t>
-                      </a:r>
-                      <a:endParaRPr lang="en-US" sz="1800">
-                        <a:effectLst/>
-                        <a:latin typeface="Times New Roman" panose="02020603050405020304" pitchFamily="18" charset="0"/>
-                        <a:ea typeface="Times New Roman" panose="02020603050405020304" pitchFamily="18" charset="0"/>
-                      </a:endParaRPr>
+                        <a:rPr lang="en-US" sz="1800" dirty="0">
+                          <a:effectLst/>
+                          <a:latin typeface="+mn-lt"/>
+                          <a:ea typeface="Times New Roman" panose="02020603050405020304" pitchFamily="18" charset="0"/>
+                        </a:rPr>
+                        <a:t>33000</a:t>
+                      </a:r>
                     </a:p>
                   </a:txBody>
                   <a:tcPr marL="68580" marR="68580" marT="0" marB="0"/>
@@ -10607,14 +10590,15 @@
                         </a:spcAft>
                       </a:pPr>
                       <a:r>
-                        <a:rPr lang="en-US" sz="1800">
-                          <a:effectLst/>
-                        </a:rPr>
-                        <a:t> </a:t>
-                      </a:r>
-                      <a:endParaRPr lang="en-US" sz="1800">
-                        <a:effectLst/>
-                        <a:latin typeface="Times New Roman" panose="02020603050405020304" pitchFamily="18" charset="0"/>
+                        <a:rPr lang="en-US" sz="1800" dirty="0">
+                          <a:effectLst/>
+                          <a:latin typeface="+mn-lt"/>
+                        </a:rPr>
+                        <a:t>0.9</a:t>
+                      </a:r>
+                      <a:endParaRPr lang="en-US" sz="1800" dirty="0">
+                        <a:effectLst/>
+                        <a:latin typeface="+mn-lt"/>
                         <a:ea typeface="Times New Roman" panose="02020603050405020304" pitchFamily="18" charset="0"/>
                       </a:endParaRPr>
                     </a:p>
@@ -10635,14 +10619,15 @@
                         </a:spcAft>
                       </a:pPr>
                       <a:r>
-                        <a:rPr lang="en-US" sz="1800">
-                          <a:effectLst/>
-                        </a:rPr>
-                        <a:t> </a:t>
-                      </a:r>
-                      <a:endParaRPr lang="en-US" sz="1800">
-                        <a:effectLst/>
-                        <a:latin typeface="Times New Roman" panose="02020603050405020304" pitchFamily="18" charset="0"/>
+                        <a:rPr lang="en-US" sz="1800" dirty="0">
+                          <a:effectLst/>
+                          <a:latin typeface="+mn-lt"/>
+                        </a:rPr>
+                        <a:t>ON </a:t>
+                      </a:r>
+                      <a:endParaRPr lang="en-US" sz="1800" dirty="0">
+                        <a:effectLst/>
+                        <a:latin typeface="+mn-lt"/>
                         <a:ea typeface="Times New Roman" panose="02020603050405020304" pitchFamily="18" charset="0"/>
                       </a:endParaRPr>
                     </a:p>
@@ -10670,16 +10655,13 @@
                         </a:spcAft>
                       </a:pPr>
                       <a:r>
-                        <a:rPr lang="en-US" sz="1600">
-                          <a:effectLst/>
-                        </a:rPr>
-                        <a:t>12</a:t>
-                      </a:r>
-                      <a:endParaRPr lang="en-US" sz="1600">
-                        <a:effectLst/>
-                        <a:latin typeface="Times New Roman" panose="02020603050405020304" pitchFamily="18" charset="0"/>
-                        <a:ea typeface="Times New Roman" panose="02020603050405020304" pitchFamily="18" charset="0"/>
-                      </a:endParaRPr>
+                        <a:rPr lang="en-US" sz="1600" dirty="0">
+                          <a:effectLst/>
+                          <a:latin typeface="+mn-lt"/>
+                          <a:ea typeface="Times New Roman" panose="02020603050405020304" pitchFamily="18" charset="0"/>
+                        </a:rPr>
+                        <a:t>Supersonic transport flight</a:t>
+                      </a:r>
                     </a:p>
                   </a:txBody>
                   <a:tcPr marL="68580" marR="68580" marT="0" marB="0"/>
@@ -10698,16 +10680,13 @@
                         </a:spcAft>
                       </a:pPr>
                       <a:r>
-                        <a:rPr lang="en-US" sz="1800">
-                          <a:effectLst/>
-                        </a:rPr>
-                        <a:t> </a:t>
-                      </a:r>
-                      <a:endParaRPr lang="en-US" sz="1800">
-                        <a:effectLst/>
-                        <a:latin typeface="Times New Roman" panose="02020603050405020304" pitchFamily="18" charset="0"/>
-                        <a:ea typeface="Times New Roman" panose="02020603050405020304" pitchFamily="18" charset="0"/>
-                      </a:endParaRPr>
+                        <a:rPr lang="en-US" sz="1800" dirty="0">
+                          <a:effectLst/>
+                          <a:latin typeface="+mn-lt"/>
+                          <a:ea typeface="Times New Roman" panose="02020603050405020304" pitchFamily="18" charset="0"/>
+                        </a:rPr>
+                        <a:t>70000</a:t>
+                      </a:r>
                     </a:p>
                   </a:txBody>
                   <a:tcPr marL="68580" marR="68580" marT="0" marB="0"/>
@@ -10726,14 +10705,15 @@
                         </a:spcAft>
                       </a:pPr>
                       <a:r>
-                        <a:rPr lang="en-US" sz="1800">
-                          <a:effectLst/>
-                        </a:rPr>
-                        <a:t> </a:t>
-                      </a:r>
-                      <a:endParaRPr lang="en-US" sz="1800">
-                        <a:effectLst/>
-                        <a:latin typeface="Times New Roman" panose="02020603050405020304" pitchFamily="18" charset="0"/>
+                        <a:rPr lang="en-US" sz="1800" dirty="0">
+                          <a:effectLst/>
+                          <a:latin typeface="+mn-lt"/>
+                        </a:rPr>
+                        <a:t>2.5 </a:t>
+                      </a:r>
+                      <a:endParaRPr lang="en-US" sz="1800" dirty="0">
+                        <a:effectLst/>
+                        <a:latin typeface="+mn-lt"/>
                         <a:ea typeface="Times New Roman" panose="02020603050405020304" pitchFamily="18" charset="0"/>
                       </a:endParaRPr>
                     </a:p>
@@ -10756,12 +10736,13 @@
                       <a:r>
                         <a:rPr lang="en-US" sz="1800" dirty="0">
                           <a:effectLst/>
-                        </a:rPr>
-                        <a:t> </a:t>
+                          <a:latin typeface="+mn-lt"/>
+                        </a:rPr>
+                        <a:t>OFF </a:t>
                       </a:r>
                       <a:endParaRPr lang="en-US" sz="1800" dirty="0">
                         <a:effectLst/>
-                        <a:latin typeface="Times New Roman" panose="02020603050405020304" pitchFamily="18" charset="0"/>
+                        <a:latin typeface="+mn-lt"/>
                         <a:ea typeface="Times New Roman" panose="02020603050405020304" pitchFamily="18" charset="0"/>
                       </a:endParaRPr>
                     </a:p>
@@ -12544,6 +12525,21 @@
 </file>
 
 <file path=customXml/item1.xml><?xml version="1.0" encoding="utf-8"?>
+<p:properties xmlns:p="http://schemas.microsoft.com/office/2006/metadata/properties" xmlns:xsi="http://www.w3.org/2001/XMLSchema-instance">
+  <documentManagement/>
+</p:properties>
+</file>
+
+<file path=customXml/item2.xml><?xml version="1.0" encoding="utf-8"?>
+<?mso-contentType ?>
+<FormTemplates xmlns="http://schemas.microsoft.com/sharepoint/v3/contenttype/forms">
+  <Display>DocumentLibraryForm</Display>
+  <Edit>DocumentLibraryForm</Edit>
+  <New>DocumentLibraryForm</New>
+</FormTemplates>
+</file>
+
+<file path=customXml/item3.xml><?xml version="1.0" encoding="utf-8"?>
 <ct:contentTypeSchema xmlns:ct="http://schemas.microsoft.com/office/2006/metadata/contentType" xmlns:ma="http://schemas.microsoft.com/office/2006/metadata/properties/metaAttributes" ct:_="" ma:_="" ma:contentTypeName="Document" ma:contentTypeID="0x01010075DEA5B684E6D04C8F8F60CD32CD8F5C" ma:contentTypeVersion="0" ma:contentTypeDescription="Create a new document." ma:contentTypeScope="" ma:versionID="41e97edc035c2e5e5f60dbf406229cfd">
   <xsd:schema xmlns:xsd="http://www.w3.org/2001/XMLSchema" xmlns:p="http://schemas.microsoft.com/office/2006/metadata/properties" targetNamespace="http://schemas.microsoft.com/office/2006/metadata/properties" ma:root="true" ma:fieldsID="4aeb20c0e3442673af7ee10786458764">
     <xsd:element name="properties">
@@ -12592,32 +12588,16 @@
 </ct:contentTypeSchema>
 </file>
 
-<file path=customXml/item2.xml><?xml version="1.0" encoding="utf-8"?>
-<?mso-contentType ?>
-<FormTemplates xmlns="http://schemas.microsoft.com/sharepoint/v3/contenttype/forms">
-  <Display>DocumentLibraryForm</Display>
-  <Edit>DocumentLibraryForm</Edit>
-  <New>DocumentLibraryForm</New>
-</FormTemplates>
-</file>
-
-<file path=customXml/item3.xml><?xml version="1.0" encoding="utf-8"?>
-<p:properties xmlns:p="http://schemas.microsoft.com/office/2006/metadata/properties" xmlns:xsi="http://www.w3.org/2001/XMLSchema-instance">
-  <documentManagement/>
-</p:properties>
-</file>
-
 <file path=customXml/itemProps1.xml><?xml version="1.0" encoding="utf-8"?>
-<ds:datastoreItem xmlns:ds="http://schemas.openxmlformats.org/officeDocument/2006/customXml" ds:itemID="{780A3192-62F6-472E-B429-80C0520060DD}">
+<ds:datastoreItem xmlns:ds="http://schemas.openxmlformats.org/officeDocument/2006/customXml" ds:itemID="{A414BE1A-A2C4-4862-8AD0-8BDC37D6A979}">
   <ds:schemaRefs>
-    <ds:schemaRef ds:uri="http://schemas.microsoft.com/office/2006/metadata/contentType"/>
-    <ds:schemaRef ds:uri="http://schemas.microsoft.com/office/2006/metadata/properties/metaAttributes"/>
-    <ds:schemaRef ds:uri="http://www.w3.org/2001/XMLSchema"/>
+    <ds:schemaRef ds:uri="http://purl.org/dc/elements/1.1/"/>
     <ds:schemaRef ds:uri="http://schemas.microsoft.com/office/2006/metadata/properties"/>
+    <ds:schemaRef ds:uri="http://purl.org/dc/terms/"/>
     <ds:schemaRef ds:uri="http://schemas.openxmlformats.org/package/2006/metadata/core-properties"/>
-    <ds:schemaRef ds:uri="http://purl.org/dc/elements/1.1/"/>
-    <ds:schemaRef ds:uri="http://purl.org/dc/terms/"/>
-    <ds:schemaRef ds:uri="http://schemas.microsoft.com/office/internal/2005/internalDocumentation"/>
+    <ds:schemaRef ds:uri="http://schemas.microsoft.com/office/2006/documentManagement/types"/>
+    <ds:schemaRef ds:uri="http://www.w3.org/XML/1998/namespace"/>
+    <ds:schemaRef ds:uri="http://purl.org/dc/dcmitype/"/>
   </ds:schemaRefs>
 </ds:datastoreItem>
 </file>
@@ -12631,15 +12611,16 @@
 </file>
 
 <file path=customXml/itemProps3.xml><?xml version="1.0" encoding="utf-8"?>
-<ds:datastoreItem xmlns:ds="http://schemas.openxmlformats.org/officeDocument/2006/customXml" ds:itemID="{A414BE1A-A2C4-4862-8AD0-8BDC37D6A979}">
+<ds:datastoreItem xmlns:ds="http://schemas.openxmlformats.org/officeDocument/2006/customXml" ds:itemID="{780A3192-62F6-472E-B429-80C0520060DD}">
   <ds:schemaRefs>
+    <ds:schemaRef ds:uri="http://schemas.microsoft.com/office/2006/metadata/contentType"/>
+    <ds:schemaRef ds:uri="http://schemas.microsoft.com/office/2006/metadata/properties/metaAttributes"/>
+    <ds:schemaRef ds:uri="http://www.w3.org/2001/XMLSchema"/>
+    <ds:schemaRef ds:uri="http://schemas.microsoft.com/office/2006/metadata/properties"/>
+    <ds:schemaRef ds:uri="http://schemas.openxmlformats.org/package/2006/metadata/core-properties"/>
     <ds:schemaRef ds:uri="http://purl.org/dc/elements/1.1/"/>
-    <ds:schemaRef ds:uri="http://schemas.microsoft.com/office/2006/metadata/properties"/>
     <ds:schemaRef ds:uri="http://purl.org/dc/terms/"/>
-    <ds:schemaRef ds:uri="http://schemas.openxmlformats.org/package/2006/metadata/core-properties"/>
-    <ds:schemaRef ds:uri="http://schemas.microsoft.com/office/2006/documentManagement/types"/>
-    <ds:schemaRef ds:uri="http://www.w3.org/XML/1998/namespace"/>
-    <ds:schemaRef ds:uri="http://purl.org/dc/dcmitype/"/>
+    <ds:schemaRef ds:uri="http://schemas.microsoft.com/office/internal/2005/internalDocumentation"/>
   </ds:schemaRefs>
 </ds:datastoreItem>
 </file>
--- a/Project Docs/J58-Presentation.pptx
+++ b/Project Docs/J58-Presentation.pptx
@@ -9177,14 +9177,14 @@
           <p:nvPr>
             <p:extLst>
               <p:ext uri="{D42A27DB-BD31-4B8C-83A1-F6EECF244321}">
-                <p14:modId xmlns:p14="http://schemas.microsoft.com/office/powerpoint/2010/main" val="1914871661"/>
+                <p14:modId xmlns:p14="http://schemas.microsoft.com/office/powerpoint/2010/main" val="1778668620"/>
               </p:ext>
             </p:extLst>
           </p:nvPr>
         </p:nvGraphicFramePr>
         <p:xfrm>
           <a:off x="685800" y="2382724"/>
-          <a:ext cx="7772398" cy="4056000"/>
+          <a:ext cx="7772398" cy="3865680"/>
         </p:xfrm>
         <a:graphic>
           <a:graphicData uri="http://schemas.openxmlformats.org/drawingml/2006/table">
@@ -10313,7 +10313,7 @@
                           <a:latin typeface="+mn-lt"/>
                           <a:ea typeface="Times New Roman" panose="02020603050405020304" pitchFamily="18" charset="0"/>
                         </a:rPr>
-                        <a:t>Maximum payload research mission[5]</a:t>
+                        <a:t>MA139-XAA</a:t>
                       </a:r>
                     </a:p>
                   </a:txBody>
@@ -10335,40 +10335,38 @@
                       <a:r>
                         <a:rPr lang="en-US" sz="1800" dirty="0">
                           <a:effectLst/>
-                        </a:rPr>
-                        <a:t>70000 </a:t>
+                          <a:latin typeface="+mn-lt"/>
+                          <a:ea typeface="Times New Roman" panose="02020603050405020304" pitchFamily="18" charset="0"/>
+                        </a:rPr>
+                        <a:t>40000</a:t>
+                      </a:r>
+                    </a:p>
+                  </a:txBody>
+                  <a:tcPr marL="68580" marR="68580" marT="0" marB="0"/>
+                </a:tc>
+                <a:tc>
+                  <a:txBody>
+                    <a:bodyPr/>
+                    <a:lstStyle/>
+                    <a:p>
+                      <a:pPr marL="0" marR="0" algn="just">
+                        <a:spcBef>
+                          <a:spcPts val="0"/>
+                        </a:spcBef>
+                        <a:spcAft>
+                          <a:spcPts val="0"/>
+                        </a:spcAft>
+                      </a:pPr>
+                      <a:r>
+                        <a:rPr lang="en-US" sz="1800" dirty="0">
+                          <a:effectLst/>
+                          <a:latin typeface="+mn-lt"/>
+                        </a:rPr>
+                        <a:t>1.9</a:t>
                       </a:r>
                       <a:endParaRPr lang="en-US" sz="1800" dirty="0">
                         <a:effectLst/>
-                        <a:latin typeface="Times New Roman" panose="02020603050405020304" pitchFamily="18" charset="0"/>
-                        <a:ea typeface="Times New Roman" panose="02020603050405020304" pitchFamily="18" charset="0"/>
-                      </a:endParaRPr>
-                    </a:p>
-                  </a:txBody>
-                  <a:tcPr marL="68580" marR="68580" marT="0" marB="0"/>
-                </a:tc>
-                <a:tc>
-                  <a:txBody>
-                    <a:bodyPr/>
-                    <a:lstStyle/>
-                    <a:p>
-                      <a:pPr marL="0" marR="0" algn="just">
-                        <a:spcBef>
-                          <a:spcPts val="0"/>
-                        </a:spcBef>
-                        <a:spcAft>
-                          <a:spcPts val="0"/>
-                        </a:spcAft>
-                      </a:pPr>
-                      <a:r>
-                        <a:rPr lang="en-US" sz="1800" dirty="0">
-                          <a:effectLst/>
-                        </a:rPr>
-                        <a:t>3.0</a:t>
-                      </a:r>
-                      <a:endParaRPr lang="en-US" sz="1800" dirty="0">
-                        <a:effectLst/>
-                        <a:latin typeface="Times New Roman" panose="02020603050405020304" pitchFamily="18" charset="0"/>
+                        <a:latin typeface="+mn-lt"/>
                         <a:ea typeface="Times New Roman" panose="02020603050405020304" pitchFamily="18" charset="0"/>
                       </a:endParaRPr>
                     </a:p>
@@ -10429,7 +10427,7 @@
                           <a:latin typeface="+mn-lt"/>
                           <a:ea typeface="Times New Roman" panose="02020603050405020304" pitchFamily="18" charset="0"/>
                         </a:rPr>
-                        <a:t>Cruising airplane capacity[5]</a:t>
+                        <a:t>French Griffon II[]</a:t>
                       </a:r>
                     </a:p>
                   </a:txBody>
@@ -10451,14 +10449,11 @@
                       <a:r>
                         <a:rPr lang="en-US" sz="1800" dirty="0">
                           <a:effectLst/>
-                        </a:rPr>
-                        <a:t>85000 </a:t>
-                      </a:r>
-                      <a:endParaRPr lang="en-US" sz="1800" dirty="0">
-                        <a:effectLst/>
-                        <a:latin typeface="Times New Roman" panose="02020603050405020304" pitchFamily="18" charset="0"/>
-                        <a:ea typeface="Times New Roman" panose="02020603050405020304" pitchFamily="18" charset="0"/>
-                      </a:endParaRPr>
+                          <a:latin typeface="+mn-lt"/>
+                          <a:ea typeface="Times New Roman" panose="02020603050405020304" pitchFamily="18" charset="0"/>
+                        </a:rPr>
+                        <a:t>61000</a:t>
+                      </a:r>
                     </a:p>
                   </a:txBody>
                   <a:tcPr marL="68580" marR="68580" marT="0" marB="0"/>
@@ -10479,14 +10474,11 @@
                       <a:r>
                         <a:rPr lang="en-US" sz="1800" dirty="0">
                           <a:effectLst/>
-                        </a:rPr>
-                        <a:t>3.0 </a:t>
-                      </a:r>
-                      <a:endParaRPr lang="en-US" sz="1800" dirty="0">
-                        <a:effectLst/>
-                        <a:latin typeface="Times New Roman" panose="02020603050405020304" pitchFamily="18" charset="0"/>
-                        <a:ea typeface="Times New Roman" panose="02020603050405020304" pitchFamily="18" charset="0"/>
-                      </a:endParaRPr>
+                          <a:latin typeface="+mn-lt"/>
+                          <a:ea typeface="Times New Roman" panose="02020603050405020304" pitchFamily="18" charset="0"/>
+                        </a:rPr>
+                        <a:t>2.1</a:t>
+                      </a:r>
                     </a:p>
                   </a:txBody>
                   <a:tcPr marL="68580" marR="68580" marT="0" marB="0"/>

--- a/Project Docs/J58-Presentation.pptx
+++ b/Project Docs/J58-Presentation.pptx
@@ -5,10 +5,10 @@
     <p:sldMasterId id="2147483648" r:id="rId4"/>
   </p:sldMasterIdLst>
   <p:notesMasterIdLst>
-    <p:notesMasterId r:id="rId18"/>
+    <p:notesMasterId r:id="rId19"/>
   </p:notesMasterIdLst>
   <p:handoutMasterIdLst>
-    <p:handoutMasterId r:id="rId19"/>
+    <p:handoutMasterId r:id="rId20"/>
   </p:handoutMasterIdLst>
   <p:sldIdLst>
     <p:sldId id="405" r:id="rId5"/>
@@ -23,7 +23,8 @@
     <p:sldId id="415" r:id="rId14"/>
     <p:sldId id="414" r:id="rId15"/>
     <p:sldId id="416" r:id="rId16"/>
-    <p:sldId id="404" r:id="rId17"/>
+    <p:sldId id="417" r:id="rId17"/>
+    <p:sldId id="404" r:id="rId18"/>
   </p:sldIdLst>
   <p:sldSz cx="9144000" cy="6858000" type="screen4x3"/>
   <p:notesSz cx="6858000" cy="9296400"/>
@@ -868,6 +869,1135 @@
     </a:lvl9pPr>
   </p:notesStyle>
 </p:notesMaster>
+</file>
+
+<file path=ppt/notesSlides/notesSlide1.xml><?xml version="1.0" encoding="utf-8"?>
+<p:notes xmlns:a="http://schemas.openxmlformats.org/drawingml/2006/main" xmlns:r="http://schemas.openxmlformats.org/officeDocument/2006/relationships" xmlns:p="http://schemas.openxmlformats.org/presentationml/2006/main">
+  <p:cSld>
+    <p:spTree>
+      <p:nvGrpSpPr>
+        <p:cNvPr id="1" name=""/>
+        <p:cNvGrpSpPr/>
+        <p:nvPr/>
+      </p:nvGrpSpPr>
+      <p:grpSpPr>
+        <a:xfrm>
+          <a:off x="0" y="0"/>
+          <a:ext cx="0" cy="0"/>
+          <a:chOff x="0" y="0"/>
+          <a:chExt cx="0" cy="0"/>
+        </a:xfrm>
+      </p:grpSpPr>
+      <p:sp>
+        <p:nvSpPr>
+          <p:cNvPr id="2" name="Slide Image Placeholder 1"/>
+          <p:cNvSpPr>
+            <a:spLocks noGrp="1" noRot="1" noChangeAspect="1"/>
+          </p:cNvSpPr>
+          <p:nvPr>
+            <p:ph type="sldImg"/>
+          </p:nvPr>
+        </p:nvSpPr>
+        <p:spPr/>
+      </p:sp>
+      <p:sp>
+        <p:nvSpPr>
+          <p:cNvPr id="3" name="Notes Placeholder 2"/>
+          <p:cNvSpPr>
+            <a:spLocks noGrp="1"/>
+          </p:cNvSpPr>
+          <p:nvPr>
+            <p:ph type="body" idx="1"/>
+          </p:nvPr>
+        </p:nvSpPr>
+        <p:spPr/>
+        <p:txBody>
+          <a:bodyPr/>
+          <a:lstStyle/>
+          <a:p>
+            <a:r>
+              <a:rPr lang="en-US" dirty="0"/>
+              <a:t>Quijano</a:t>
+            </a:r>
+          </a:p>
+        </p:txBody>
+      </p:sp>
+      <p:sp>
+        <p:nvSpPr>
+          <p:cNvPr id="4" name="Slide Number Placeholder 3"/>
+          <p:cNvSpPr>
+            <a:spLocks noGrp="1"/>
+          </p:cNvSpPr>
+          <p:nvPr>
+            <p:ph type="sldNum" sz="quarter" idx="10"/>
+          </p:nvPr>
+        </p:nvSpPr>
+        <p:spPr/>
+        <p:txBody>
+          <a:bodyPr/>
+          <a:lstStyle/>
+          <a:p>
+            <a:pPr>
+              <a:defRPr/>
+            </a:pPr>
+            <a:fld id="{B7B05DEF-6DE7-4BF9-8DBB-FF904A788E50}" type="slidenum">
+              <a:rPr lang="en-US" smtClean="0"/>
+              <a:pPr>
+                <a:defRPr/>
+              </a:pPr>
+              <a:t>2</a:t>
+            </a:fld>
+            <a:endParaRPr lang="en-US" dirty="0"/>
+          </a:p>
+        </p:txBody>
+      </p:sp>
+    </p:spTree>
+    <p:extLst>
+      <p:ext uri="{BB962C8B-B14F-4D97-AF65-F5344CB8AC3E}">
+        <p14:creationId xmlns:p14="http://schemas.microsoft.com/office/powerpoint/2010/main" val="452904825"/>
+      </p:ext>
+    </p:extLst>
+  </p:cSld>
+  <p:clrMapOvr>
+    <a:masterClrMapping/>
+  </p:clrMapOvr>
+</p:notes>
+</file>
+
+<file path=ppt/notesSlides/notesSlide10.xml><?xml version="1.0" encoding="utf-8"?>
+<p:notes xmlns:a="http://schemas.openxmlformats.org/drawingml/2006/main" xmlns:r="http://schemas.openxmlformats.org/officeDocument/2006/relationships" xmlns:p="http://schemas.openxmlformats.org/presentationml/2006/main">
+  <p:cSld>
+    <p:spTree>
+      <p:nvGrpSpPr>
+        <p:cNvPr id="1" name=""/>
+        <p:cNvGrpSpPr/>
+        <p:nvPr/>
+      </p:nvGrpSpPr>
+      <p:grpSpPr>
+        <a:xfrm>
+          <a:off x="0" y="0"/>
+          <a:ext cx="0" cy="0"/>
+          <a:chOff x="0" y="0"/>
+          <a:chExt cx="0" cy="0"/>
+        </a:xfrm>
+      </p:grpSpPr>
+      <p:sp>
+        <p:nvSpPr>
+          <p:cNvPr id="2" name="Slide Image Placeholder 1"/>
+          <p:cNvSpPr>
+            <a:spLocks noGrp="1" noRot="1" noChangeAspect="1"/>
+          </p:cNvSpPr>
+          <p:nvPr>
+            <p:ph type="sldImg"/>
+          </p:nvPr>
+        </p:nvSpPr>
+        <p:spPr/>
+      </p:sp>
+      <p:sp>
+        <p:nvSpPr>
+          <p:cNvPr id="3" name="Notes Placeholder 2"/>
+          <p:cNvSpPr>
+            <a:spLocks noGrp="1"/>
+          </p:cNvSpPr>
+          <p:nvPr>
+            <p:ph type="body" idx="1"/>
+          </p:nvPr>
+        </p:nvSpPr>
+        <p:spPr/>
+        <p:txBody>
+          <a:bodyPr/>
+          <a:lstStyle/>
+          <a:p>
+            <a:r>
+              <a:rPr lang="en-US" dirty="0" err="1"/>
+              <a:t>Lagares</a:t>
+            </a:r>
+            <a:endParaRPr lang="en-US" dirty="0"/>
+          </a:p>
+        </p:txBody>
+      </p:sp>
+      <p:sp>
+        <p:nvSpPr>
+          <p:cNvPr id="4" name="Slide Number Placeholder 3"/>
+          <p:cNvSpPr>
+            <a:spLocks noGrp="1"/>
+          </p:cNvSpPr>
+          <p:nvPr>
+            <p:ph type="sldNum" sz="quarter" idx="10"/>
+          </p:nvPr>
+        </p:nvSpPr>
+        <p:spPr/>
+        <p:txBody>
+          <a:bodyPr/>
+          <a:lstStyle/>
+          <a:p>
+            <a:pPr>
+              <a:defRPr/>
+            </a:pPr>
+            <a:fld id="{B7B05DEF-6DE7-4BF9-8DBB-FF904A788E50}" type="slidenum">
+              <a:rPr lang="en-US" smtClean="0"/>
+              <a:pPr>
+                <a:defRPr/>
+              </a:pPr>
+              <a:t>11</a:t>
+            </a:fld>
+            <a:endParaRPr lang="en-US" dirty="0"/>
+          </a:p>
+        </p:txBody>
+      </p:sp>
+    </p:spTree>
+    <p:extLst>
+      <p:ext uri="{BB962C8B-B14F-4D97-AF65-F5344CB8AC3E}">
+        <p14:creationId xmlns:p14="http://schemas.microsoft.com/office/powerpoint/2010/main" val="3250400679"/>
+      </p:ext>
+    </p:extLst>
+  </p:cSld>
+  <p:clrMapOvr>
+    <a:masterClrMapping/>
+  </p:clrMapOvr>
+</p:notes>
+</file>
+
+<file path=ppt/notesSlides/notesSlide11.xml><?xml version="1.0" encoding="utf-8"?>
+<p:notes xmlns:a="http://schemas.openxmlformats.org/drawingml/2006/main" xmlns:r="http://schemas.openxmlformats.org/officeDocument/2006/relationships" xmlns:p="http://schemas.openxmlformats.org/presentationml/2006/main">
+  <p:cSld>
+    <p:spTree>
+      <p:nvGrpSpPr>
+        <p:cNvPr id="1" name=""/>
+        <p:cNvGrpSpPr/>
+        <p:nvPr/>
+      </p:nvGrpSpPr>
+      <p:grpSpPr>
+        <a:xfrm>
+          <a:off x="0" y="0"/>
+          <a:ext cx="0" cy="0"/>
+          <a:chOff x="0" y="0"/>
+          <a:chExt cx="0" cy="0"/>
+        </a:xfrm>
+      </p:grpSpPr>
+      <p:sp>
+        <p:nvSpPr>
+          <p:cNvPr id="2" name="Slide Image Placeholder 1"/>
+          <p:cNvSpPr>
+            <a:spLocks noGrp="1" noRot="1" noChangeAspect="1"/>
+          </p:cNvSpPr>
+          <p:nvPr>
+            <p:ph type="sldImg"/>
+          </p:nvPr>
+        </p:nvSpPr>
+        <p:spPr/>
+      </p:sp>
+      <p:sp>
+        <p:nvSpPr>
+          <p:cNvPr id="3" name="Notes Placeholder 2"/>
+          <p:cNvSpPr>
+            <a:spLocks noGrp="1"/>
+          </p:cNvSpPr>
+          <p:nvPr>
+            <p:ph type="body" idx="1"/>
+          </p:nvPr>
+        </p:nvSpPr>
+        <p:spPr/>
+        <p:txBody>
+          <a:bodyPr/>
+          <a:lstStyle/>
+          <a:p>
+            <a:r>
+              <a:rPr lang="en-US" dirty="0" err="1"/>
+              <a:t>Lagares</a:t>
+            </a:r>
+            <a:endParaRPr lang="en-US" dirty="0"/>
+          </a:p>
+        </p:txBody>
+      </p:sp>
+      <p:sp>
+        <p:nvSpPr>
+          <p:cNvPr id="4" name="Slide Number Placeholder 3"/>
+          <p:cNvSpPr>
+            <a:spLocks noGrp="1"/>
+          </p:cNvSpPr>
+          <p:nvPr>
+            <p:ph type="sldNum" sz="quarter" idx="10"/>
+          </p:nvPr>
+        </p:nvSpPr>
+        <p:spPr/>
+        <p:txBody>
+          <a:bodyPr/>
+          <a:lstStyle/>
+          <a:p>
+            <a:pPr>
+              <a:defRPr/>
+            </a:pPr>
+            <a:fld id="{B7B05DEF-6DE7-4BF9-8DBB-FF904A788E50}" type="slidenum">
+              <a:rPr lang="en-US" smtClean="0"/>
+              <a:pPr>
+                <a:defRPr/>
+              </a:pPr>
+              <a:t>12</a:t>
+            </a:fld>
+            <a:endParaRPr lang="en-US" dirty="0"/>
+          </a:p>
+        </p:txBody>
+      </p:sp>
+    </p:spTree>
+    <p:extLst>
+      <p:ext uri="{BB962C8B-B14F-4D97-AF65-F5344CB8AC3E}">
+        <p14:creationId xmlns:p14="http://schemas.microsoft.com/office/powerpoint/2010/main" val="2739556101"/>
+      </p:ext>
+    </p:extLst>
+  </p:cSld>
+  <p:clrMapOvr>
+    <a:masterClrMapping/>
+  </p:clrMapOvr>
+</p:notes>
+</file>
+
+<file path=ppt/notesSlides/notesSlide12.xml><?xml version="1.0" encoding="utf-8"?>
+<p:notes xmlns:a="http://schemas.openxmlformats.org/drawingml/2006/main" xmlns:r="http://schemas.openxmlformats.org/officeDocument/2006/relationships" xmlns:p="http://schemas.openxmlformats.org/presentationml/2006/main">
+  <p:cSld>
+    <p:spTree>
+      <p:nvGrpSpPr>
+        <p:cNvPr id="1" name=""/>
+        <p:cNvGrpSpPr/>
+        <p:nvPr/>
+      </p:nvGrpSpPr>
+      <p:grpSpPr>
+        <a:xfrm>
+          <a:off x="0" y="0"/>
+          <a:ext cx="0" cy="0"/>
+          <a:chOff x="0" y="0"/>
+          <a:chExt cx="0" cy="0"/>
+        </a:xfrm>
+      </p:grpSpPr>
+      <p:sp>
+        <p:nvSpPr>
+          <p:cNvPr id="2" name="Slide Image Placeholder 1"/>
+          <p:cNvSpPr>
+            <a:spLocks noGrp="1" noRot="1" noChangeAspect="1"/>
+          </p:cNvSpPr>
+          <p:nvPr>
+            <p:ph type="sldImg"/>
+          </p:nvPr>
+        </p:nvSpPr>
+        <p:spPr/>
+      </p:sp>
+      <p:sp>
+        <p:nvSpPr>
+          <p:cNvPr id="3" name="Notes Placeholder 2"/>
+          <p:cNvSpPr>
+            <a:spLocks noGrp="1"/>
+          </p:cNvSpPr>
+          <p:nvPr>
+            <p:ph type="body" idx="1"/>
+          </p:nvPr>
+        </p:nvSpPr>
+        <p:spPr/>
+        <p:txBody>
+          <a:bodyPr/>
+          <a:lstStyle/>
+          <a:p>
+            <a:r>
+              <a:rPr lang="en-US" dirty="0" err="1"/>
+              <a:t>Lagares</a:t>
+            </a:r>
+            <a:r>
+              <a:rPr lang="en-US" dirty="0"/>
+              <a:t>/Aponte</a:t>
+            </a:r>
+          </a:p>
+        </p:txBody>
+      </p:sp>
+      <p:sp>
+        <p:nvSpPr>
+          <p:cNvPr id="4" name="Slide Number Placeholder 3"/>
+          <p:cNvSpPr>
+            <a:spLocks noGrp="1"/>
+          </p:cNvSpPr>
+          <p:nvPr>
+            <p:ph type="sldNum" sz="quarter" idx="10"/>
+          </p:nvPr>
+        </p:nvSpPr>
+        <p:spPr/>
+        <p:txBody>
+          <a:bodyPr/>
+          <a:lstStyle/>
+          <a:p>
+            <a:pPr>
+              <a:defRPr/>
+            </a:pPr>
+            <a:fld id="{B7B05DEF-6DE7-4BF9-8DBB-FF904A788E50}" type="slidenum">
+              <a:rPr lang="en-US" smtClean="0"/>
+              <a:pPr>
+                <a:defRPr/>
+              </a:pPr>
+              <a:t>13</a:t>
+            </a:fld>
+            <a:endParaRPr lang="en-US" dirty="0"/>
+          </a:p>
+        </p:txBody>
+      </p:sp>
+    </p:spTree>
+    <p:extLst>
+      <p:ext uri="{BB962C8B-B14F-4D97-AF65-F5344CB8AC3E}">
+        <p14:creationId xmlns:p14="http://schemas.microsoft.com/office/powerpoint/2010/main" val="369529491"/>
+      </p:ext>
+    </p:extLst>
+  </p:cSld>
+  <p:clrMapOvr>
+    <a:masterClrMapping/>
+  </p:clrMapOvr>
+</p:notes>
+</file>
+
+<file path=ppt/notesSlides/notesSlide2.xml><?xml version="1.0" encoding="utf-8"?>
+<p:notes xmlns:a="http://schemas.openxmlformats.org/drawingml/2006/main" xmlns:r="http://schemas.openxmlformats.org/officeDocument/2006/relationships" xmlns:p="http://schemas.openxmlformats.org/presentationml/2006/main">
+  <p:cSld>
+    <p:spTree>
+      <p:nvGrpSpPr>
+        <p:cNvPr id="1" name=""/>
+        <p:cNvGrpSpPr/>
+        <p:nvPr/>
+      </p:nvGrpSpPr>
+      <p:grpSpPr>
+        <a:xfrm>
+          <a:off x="0" y="0"/>
+          <a:ext cx="0" cy="0"/>
+          <a:chOff x="0" y="0"/>
+          <a:chExt cx="0" cy="0"/>
+        </a:xfrm>
+      </p:grpSpPr>
+      <p:sp>
+        <p:nvSpPr>
+          <p:cNvPr id="2" name="Slide Image Placeholder 1"/>
+          <p:cNvSpPr>
+            <a:spLocks noGrp="1" noRot="1" noChangeAspect="1"/>
+          </p:cNvSpPr>
+          <p:nvPr>
+            <p:ph type="sldImg"/>
+          </p:nvPr>
+        </p:nvSpPr>
+        <p:spPr/>
+      </p:sp>
+      <p:sp>
+        <p:nvSpPr>
+          <p:cNvPr id="3" name="Notes Placeholder 2"/>
+          <p:cNvSpPr>
+            <a:spLocks noGrp="1"/>
+          </p:cNvSpPr>
+          <p:nvPr>
+            <p:ph type="body" idx="1"/>
+          </p:nvPr>
+        </p:nvSpPr>
+        <p:spPr/>
+        <p:txBody>
+          <a:bodyPr/>
+          <a:lstStyle/>
+          <a:p>
+            <a:r>
+              <a:rPr lang="en-US" dirty="0"/>
+              <a:t>Aponte</a:t>
+            </a:r>
+          </a:p>
+        </p:txBody>
+      </p:sp>
+      <p:sp>
+        <p:nvSpPr>
+          <p:cNvPr id="4" name="Slide Number Placeholder 3"/>
+          <p:cNvSpPr>
+            <a:spLocks noGrp="1"/>
+          </p:cNvSpPr>
+          <p:nvPr>
+            <p:ph type="sldNum" sz="quarter" idx="10"/>
+          </p:nvPr>
+        </p:nvSpPr>
+        <p:spPr/>
+        <p:txBody>
+          <a:bodyPr/>
+          <a:lstStyle/>
+          <a:p>
+            <a:pPr>
+              <a:defRPr/>
+            </a:pPr>
+            <a:fld id="{B7B05DEF-6DE7-4BF9-8DBB-FF904A788E50}" type="slidenum">
+              <a:rPr lang="en-US" smtClean="0"/>
+              <a:pPr>
+                <a:defRPr/>
+              </a:pPr>
+              <a:t>3</a:t>
+            </a:fld>
+            <a:endParaRPr lang="en-US" dirty="0"/>
+          </a:p>
+        </p:txBody>
+      </p:sp>
+    </p:spTree>
+    <p:extLst>
+      <p:ext uri="{BB962C8B-B14F-4D97-AF65-F5344CB8AC3E}">
+        <p14:creationId xmlns:p14="http://schemas.microsoft.com/office/powerpoint/2010/main" val="107722425"/>
+      </p:ext>
+    </p:extLst>
+  </p:cSld>
+  <p:clrMapOvr>
+    <a:masterClrMapping/>
+  </p:clrMapOvr>
+</p:notes>
+</file>
+
+<file path=ppt/notesSlides/notesSlide3.xml><?xml version="1.0" encoding="utf-8"?>
+<p:notes xmlns:a="http://schemas.openxmlformats.org/drawingml/2006/main" xmlns:r="http://schemas.openxmlformats.org/officeDocument/2006/relationships" xmlns:p="http://schemas.openxmlformats.org/presentationml/2006/main">
+  <p:cSld>
+    <p:spTree>
+      <p:nvGrpSpPr>
+        <p:cNvPr id="1" name=""/>
+        <p:cNvGrpSpPr/>
+        <p:nvPr/>
+      </p:nvGrpSpPr>
+      <p:grpSpPr>
+        <a:xfrm>
+          <a:off x="0" y="0"/>
+          <a:ext cx="0" cy="0"/>
+          <a:chOff x="0" y="0"/>
+          <a:chExt cx="0" cy="0"/>
+        </a:xfrm>
+      </p:grpSpPr>
+      <p:sp>
+        <p:nvSpPr>
+          <p:cNvPr id="2" name="Slide Image Placeholder 1"/>
+          <p:cNvSpPr>
+            <a:spLocks noGrp="1" noRot="1" noChangeAspect="1"/>
+          </p:cNvSpPr>
+          <p:nvPr>
+            <p:ph type="sldImg"/>
+          </p:nvPr>
+        </p:nvSpPr>
+        <p:spPr/>
+      </p:sp>
+      <p:sp>
+        <p:nvSpPr>
+          <p:cNvPr id="3" name="Notes Placeholder 2"/>
+          <p:cNvSpPr>
+            <a:spLocks noGrp="1"/>
+          </p:cNvSpPr>
+          <p:nvPr>
+            <p:ph type="body" idx="1"/>
+          </p:nvPr>
+        </p:nvSpPr>
+        <p:spPr/>
+        <p:txBody>
+          <a:bodyPr/>
+          <a:lstStyle/>
+          <a:p>
+            <a:r>
+              <a:rPr lang="en-US" dirty="0" err="1"/>
+              <a:t>Lagares</a:t>
+            </a:r>
+            <a:endParaRPr lang="en-US" dirty="0"/>
+          </a:p>
+        </p:txBody>
+      </p:sp>
+      <p:sp>
+        <p:nvSpPr>
+          <p:cNvPr id="4" name="Slide Number Placeholder 3"/>
+          <p:cNvSpPr>
+            <a:spLocks noGrp="1"/>
+          </p:cNvSpPr>
+          <p:nvPr>
+            <p:ph type="sldNum" sz="quarter" idx="10"/>
+          </p:nvPr>
+        </p:nvSpPr>
+        <p:spPr/>
+        <p:txBody>
+          <a:bodyPr/>
+          <a:lstStyle/>
+          <a:p>
+            <a:pPr>
+              <a:defRPr/>
+            </a:pPr>
+            <a:fld id="{B7B05DEF-6DE7-4BF9-8DBB-FF904A788E50}" type="slidenum">
+              <a:rPr lang="en-US" smtClean="0"/>
+              <a:pPr>
+                <a:defRPr/>
+              </a:pPr>
+              <a:t>4</a:t>
+            </a:fld>
+            <a:endParaRPr lang="en-US" dirty="0"/>
+          </a:p>
+        </p:txBody>
+      </p:sp>
+    </p:spTree>
+    <p:extLst>
+      <p:ext uri="{BB962C8B-B14F-4D97-AF65-F5344CB8AC3E}">
+        <p14:creationId xmlns:p14="http://schemas.microsoft.com/office/powerpoint/2010/main" val="2386000544"/>
+      </p:ext>
+    </p:extLst>
+  </p:cSld>
+  <p:clrMapOvr>
+    <a:masterClrMapping/>
+  </p:clrMapOvr>
+</p:notes>
+</file>
+
+<file path=ppt/notesSlides/notesSlide4.xml><?xml version="1.0" encoding="utf-8"?>
+<p:notes xmlns:a="http://schemas.openxmlformats.org/drawingml/2006/main" xmlns:r="http://schemas.openxmlformats.org/officeDocument/2006/relationships" xmlns:p="http://schemas.openxmlformats.org/presentationml/2006/main">
+  <p:cSld>
+    <p:spTree>
+      <p:nvGrpSpPr>
+        <p:cNvPr id="1" name=""/>
+        <p:cNvGrpSpPr/>
+        <p:nvPr/>
+      </p:nvGrpSpPr>
+      <p:grpSpPr>
+        <a:xfrm>
+          <a:off x="0" y="0"/>
+          <a:ext cx="0" cy="0"/>
+          <a:chOff x="0" y="0"/>
+          <a:chExt cx="0" cy="0"/>
+        </a:xfrm>
+      </p:grpSpPr>
+      <p:sp>
+        <p:nvSpPr>
+          <p:cNvPr id="2" name="Slide Image Placeholder 1"/>
+          <p:cNvSpPr>
+            <a:spLocks noGrp="1" noRot="1" noChangeAspect="1"/>
+          </p:cNvSpPr>
+          <p:nvPr>
+            <p:ph type="sldImg"/>
+          </p:nvPr>
+        </p:nvSpPr>
+        <p:spPr/>
+      </p:sp>
+      <p:sp>
+        <p:nvSpPr>
+          <p:cNvPr id="3" name="Notes Placeholder 2"/>
+          <p:cNvSpPr>
+            <a:spLocks noGrp="1"/>
+          </p:cNvSpPr>
+          <p:nvPr>
+            <p:ph type="body" idx="1"/>
+          </p:nvPr>
+        </p:nvSpPr>
+        <p:spPr/>
+        <p:txBody>
+          <a:bodyPr/>
+          <a:lstStyle/>
+          <a:p>
+            <a:r>
+              <a:rPr lang="en-US" dirty="0" err="1"/>
+              <a:t>Lagares</a:t>
+            </a:r>
+            <a:endParaRPr lang="en-US" dirty="0"/>
+          </a:p>
+        </p:txBody>
+      </p:sp>
+      <p:sp>
+        <p:nvSpPr>
+          <p:cNvPr id="4" name="Slide Number Placeholder 3"/>
+          <p:cNvSpPr>
+            <a:spLocks noGrp="1"/>
+          </p:cNvSpPr>
+          <p:nvPr>
+            <p:ph type="sldNum" sz="quarter" idx="10"/>
+          </p:nvPr>
+        </p:nvSpPr>
+        <p:spPr/>
+        <p:txBody>
+          <a:bodyPr/>
+          <a:lstStyle/>
+          <a:p>
+            <a:pPr>
+              <a:defRPr/>
+            </a:pPr>
+            <a:fld id="{B7B05DEF-6DE7-4BF9-8DBB-FF904A788E50}" type="slidenum">
+              <a:rPr lang="en-US" smtClean="0"/>
+              <a:pPr>
+                <a:defRPr/>
+              </a:pPr>
+              <a:t>5</a:t>
+            </a:fld>
+            <a:endParaRPr lang="en-US" dirty="0"/>
+          </a:p>
+        </p:txBody>
+      </p:sp>
+    </p:spTree>
+    <p:extLst>
+      <p:ext uri="{BB962C8B-B14F-4D97-AF65-F5344CB8AC3E}">
+        <p14:creationId xmlns:p14="http://schemas.microsoft.com/office/powerpoint/2010/main" val="3495706458"/>
+      </p:ext>
+    </p:extLst>
+  </p:cSld>
+  <p:clrMapOvr>
+    <a:masterClrMapping/>
+  </p:clrMapOvr>
+</p:notes>
+</file>
+
+<file path=ppt/notesSlides/notesSlide5.xml><?xml version="1.0" encoding="utf-8"?>
+<p:notes xmlns:a="http://schemas.openxmlformats.org/drawingml/2006/main" xmlns:r="http://schemas.openxmlformats.org/officeDocument/2006/relationships" xmlns:p="http://schemas.openxmlformats.org/presentationml/2006/main">
+  <p:cSld>
+    <p:spTree>
+      <p:nvGrpSpPr>
+        <p:cNvPr id="1" name=""/>
+        <p:cNvGrpSpPr/>
+        <p:nvPr/>
+      </p:nvGrpSpPr>
+      <p:grpSpPr>
+        <a:xfrm>
+          <a:off x="0" y="0"/>
+          <a:ext cx="0" cy="0"/>
+          <a:chOff x="0" y="0"/>
+          <a:chExt cx="0" cy="0"/>
+        </a:xfrm>
+      </p:grpSpPr>
+      <p:sp>
+        <p:nvSpPr>
+          <p:cNvPr id="2" name="Slide Image Placeholder 1"/>
+          <p:cNvSpPr>
+            <a:spLocks noGrp="1" noRot="1" noChangeAspect="1"/>
+          </p:cNvSpPr>
+          <p:nvPr>
+            <p:ph type="sldImg"/>
+          </p:nvPr>
+        </p:nvSpPr>
+        <p:spPr/>
+      </p:sp>
+      <p:sp>
+        <p:nvSpPr>
+          <p:cNvPr id="3" name="Notes Placeholder 2"/>
+          <p:cNvSpPr>
+            <a:spLocks noGrp="1"/>
+          </p:cNvSpPr>
+          <p:nvPr>
+            <p:ph type="body" idx="1"/>
+          </p:nvPr>
+        </p:nvSpPr>
+        <p:spPr/>
+        <p:txBody>
+          <a:bodyPr/>
+          <a:lstStyle/>
+          <a:p>
+            <a:r>
+              <a:rPr lang="en-US" dirty="0" err="1"/>
+              <a:t>Lagares</a:t>
+            </a:r>
+            <a:endParaRPr lang="en-US" dirty="0"/>
+          </a:p>
+        </p:txBody>
+      </p:sp>
+      <p:sp>
+        <p:nvSpPr>
+          <p:cNvPr id="4" name="Slide Number Placeholder 3"/>
+          <p:cNvSpPr>
+            <a:spLocks noGrp="1"/>
+          </p:cNvSpPr>
+          <p:nvPr>
+            <p:ph type="sldNum" sz="quarter" idx="10"/>
+          </p:nvPr>
+        </p:nvSpPr>
+        <p:spPr/>
+        <p:txBody>
+          <a:bodyPr/>
+          <a:lstStyle/>
+          <a:p>
+            <a:pPr>
+              <a:defRPr/>
+            </a:pPr>
+            <a:fld id="{B7B05DEF-6DE7-4BF9-8DBB-FF904A788E50}" type="slidenum">
+              <a:rPr lang="en-US" smtClean="0"/>
+              <a:pPr>
+                <a:defRPr/>
+              </a:pPr>
+              <a:t>6</a:t>
+            </a:fld>
+            <a:endParaRPr lang="en-US" dirty="0"/>
+          </a:p>
+        </p:txBody>
+      </p:sp>
+    </p:spTree>
+    <p:extLst>
+      <p:ext uri="{BB962C8B-B14F-4D97-AF65-F5344CB8AC3E}">
+        <p14:creationId xmlns:p14="http://schemas.microsoft.com/office/powerpoint/2010/main" val="3609586248"/>
+      </p:ext>
+    </p:extLst>
+  </p:cSld>
+  <p:clrMapOvr>
+    <a:masterClrMapping/>
+  </p:clrMapOvr>
+</p:notes>
+</file>
+
+<file path=ppt/notesSlides/notesSlide6.xml><?xml version="1.0" encoding="utf-8"?>
+<p:notes xmlns:a="http://schemas.openxmlformats.org/drawingml/2006/main" xmlns:r="http://schemas.openxmlformats.org/officeDocument/2006/relationships" xmlns:p="http://schemas.openxmlformats.org/presentationml/2006/main">
+  <p:cSld>
+    <p:spTree>
+      <p:nvGrpSpPr>
+        <p:cNvPr id="1" name=""/>
+        <p:cNvGrpSpPr/>
+        <p:nvPr/>
+      </p:nvGrpSpPr>
+      <p:grpSpPr>
+        <a:xfrm>
+          <a:off x="0" y="0"/>
+          <a:ext cx="0" cy="0"/>
+          <a:chOff x="0" y="0"/>
+          <a:chExt cx="0" cy="0"/>
+        </a:xfrm>
+      </p:grpSpPr>
+      <p:sp>
+        <p:nvSpPr>
+          <p:cNvPr id="2" name="Slide Image Placeholder 1"/>
+          <p:cNvSpPr>
+            <a:spLocks noGrp="1" noRot="1" noChangeAspect="1"/>
+          </p:cNvSpPr>
+          <p:nvPr>
+            <p:ph type="sldImg"/>
+          </p:nvPr>
+        </p:nvSpPr>
+        <p:spPr/>
+      </p:sp>
+      <p:sp>
+        <p:nvSpPr>
+          <p:cNvPr id="3" name="Notes Placeholder 2"/>
+          <p:cNvSpPr>
+            <a:spLocks noGrp="1"/>
+          </p:cNvSpPr>
+          <p:nvPr>
+            <p:ph type="body" idx="1"/>
+          </p:nvPr>
+        </p:nvSpPr>
+        <p:spPr/>
+        <p:txBody>
+          <a:bodyPr/>
+          <a:lstStyle/>
+          <a:p>
+            <a:r>
+              <a:rPr lang="en-US" dirty="0" err="1"/>
+              <a:t>Lagares</a:t>
+            </a:r>
+            <a:endParaRPr lang="en-US" dirty="0"/>
+          </a:p>
+        </p:txBody>
+      </p:sp>
+      <p:sp>
+        <p:nvSpPr>
+          <p:cNvPr id="4" name="Slide Number Placeholder 3"/>
+          <p:cNvSpPr>
+            <a:spLocks noGrp="1"/>
+          </p:cNvSpPr>
+          <p:nvPr>
+            <p:ph type="sldNum" sz="quarter" idx="10"/>
+          </p:nvPr>
+        </p:nvSpPr>
+        <p:spPr/>
+        <p:txBody>
+          <a:bodyPr/>
+          <a:lstStyle/>
+          <a:p>
+            <a:pPr>
+              <a:defRPr/>
+            </a:pPr>
+            <a:fld id="{B7B05DEF-6DE7-4BF9-8DBB-FF904A788E50}" type="slidenum">
+              <a:rPr lang="en-US" smtClean="0"/>
+              <a:pPr>
+                <a:defRPr/>
+              </a:pPr>
+              <a:t>7</a:t>
+            </a:fld>
+            <a:endParaRPr lang="en-US" dirty="0"/>
+          </a:p>
+        </p:txBody>
+      </p:sp>
+    </p:spTree>
+    <p:extLst>
+      <p:ext uri="{BB962C8B-B14F-4D97-AF65-F5344CB8AC3E}">
+        <p14:creationId xmlns:p14="http://schemas.microsoft.com/office/powerpoint/2010/main" val="480789846"/>
+      </p:ext>
+    </p:extLst>
+  </p:cSld>
+  <p:clrMapOvr>
+    <a:masterClrMapping/>
+  </p:clrMapOvr>
+</p:notes>
+</file>
+
+<file path=ppt/notesSlides/notesSlide7.xml><?xml version="1.0" encoding="utf-8"?>
+<p:notes xmlns:a="http://schemas.openxmlformats.org/drawingml/2006/main" xmlns:r="http://schemas.openxmlformats.org/officeDocument/2006/relationships" xmlns:p="http://schemas.openxmlformats.org/presentationml/2006/main">
+  <p:cSld>
+    <p:spTree>
+      <p:nvGrpSpPr>
+        <p:cNvPr id="1" name=""/>
+        <p:cNvGrpSpPr/>
+        <p:nvPr/>
+      </p:nvGrpSpPr>
+      <p:grpSpPr>
+        <a:xfrm>
+          <a:off x="0" y="0"/>
+          <a:ext cx="0" cy="0"/>
+          <a:chOff x="0" y="0"/>
+          <a:chExt cx="0" cy="0"/>
+        </a:xfrm>
+      </p:grpSpPr>
+      <p:sp>
+        <p:nvSpPr>
+          <p:cNvPr id="2" name="Slide Image Placeholder 1"/>
+          <p:cNvSpPr>
+            <a:spLocks noGrp="1" noRot="1" noChangeAspect="1"/>
+          </p:cNvSpPr>
+          <p:nvPr>
+            <p:ph type="sldImg"/>
+          </p:nvPr>
+        </p:nvSpPr>
+        <p:spPr/>
+      </p:sp>
+      <p:sp>
+        <p:nvSpPr>
+          <p:cNvPr id="3" name="Notes Placeholder 2"/>
+          <p:cNvSpPr>
+            <a:spLocks noGrp="1"/>
+          </p:cNvSpPr>
+          <p:nvPr>
+            <p:ph type="body" idx="1"/>
+          </p:nvPr>
+        </p:nvSpPr>
+        <p:spPr/>
+        <p:txBody>
+          <a:bodyPr/>
+          <a:lstStyle/>
+          <a:p>
+            <a:r>
+              <a:rPr lang="en-US" dirty="0" err="1"/>
+              <a:t>Lagares</a:t>
+            </a:r>
+            <a:endParaRPr lang="en-US" dirty="0"/>
+          </a:p>
+        </p:txBody>
+      </p:sp>
+      <p:sp>
+        <p:nvSpPr>
+          <p:cNvPr id="4" name="Slide Number Placeholder 3"/>
+          <p:cNvSpPr>
+            <a:spLocks noGrp="1"/>
+          </p:cNvSpPr>
+          <p:nvPr>
+            <p:ph type="sldNum" sz="quarter" idx="10"/>
+          </p:nvPr>
+        </p:nvSpPr>
+        <p:spPr/>
+        <p:txBody>
+          <a:bodyPr/>
+          <a:lstStyle/>
+          <a:p>
+            <a:pPr>
+              <a:defRPr/>
+            </a:pPr>
+            <a:fld id="{B7B05DEF-6DE7-4BF9-8DBB-FF904A788E50}" type="slidenum">
+              <a:rPr lang="en-US" smtClean="0"/>
+              <a:pPr>
+                <a:defRPr/>
+              </a:pPr>
+              <a:t>8</a:t>
+            </a:fld>
+            <a:endParaRPr lang="en-US" dirty="0"/>
+          </a:p>
+        </p:txBody>
+      </p:sp>
+    </p:spTree>
+    <p:extLst>
+      <p:ext uri="{BB962C8B-B14F-4D97-AF65-F5344CB8AC3E}">
+        <p14:creationId xmlns:p14="http://schemas.microsoft.com/office/powerpoint/2010/main" val="960977885"/>
+      </p:ext>
+    </p:extLst>
+  </p:cSld>
+  <p:clrMapOvr>
+    <a:masterClrMapping/>
+  </p:clrMapOvr>
+</p:notes>
+</file>
+
+<file path=ppt/notesSlides/notesSlide8.xml><?xml version="1.0" encoding="utf-8"?>
+<p:notes xmlns:a="http://schemas.openxmlformats.org/drawingml/2006/main" xmlns:r="http://schemas.openxmlformats.org/officeDocument/2006/relationships" xmlns:p="http://schemas.openxmlformats.org/presentationml/2006/main">
+  <p:cSld>
+    <p:spTree>
+      <p:nvGrpSpPr>
+        <p:cNvPr id="1" name=""/>
+        <p:cNvGrpSpPr/>
+        <p:nvPr/>
+      </p:nvGrpSpPr>
+      <p:grpSpPr>
+        <a:xfrm>
+          <a:off x="0" y="0"/>
+          <a:ext cx="0" cy="0"/>
+          <a:chOff x="0" y="0"/>
+          <a:chExt cx="0" cy="0"/>
+        </a:xfrm>
+      </p:grpSpPr>
+      <p:sp>
+        <p:nvSpPr>
+          <p:cNvPr id="2" name="Slide Image Placeholder 1"/>
+          <p:cNvSpPr>
+            <a:spLocks noGrp="1" noRot="1" noChangeAspect="1"/>
+          </p:cNvSpPr>
+          <p:nvPr>
+            <p:ph type="sldImg"/>
+          </p:nvPr>
+        </p:nvSpPr>
+        <p:spPr/>
+      </p:sp>
+      <p:sp>
+        <p:nvSpPr>
+          <p:cNvPr id="3" name="Notes Placeholder 2"/>
+          <p:cNvSpPr>
+            <a:spLocks noGrp="1"/>
+          </p:cNvSpPr>
+          <p:nvPr>
+            <p:ph type="body" idx="1"/>
+          </p:nvPr>
+        </p:nvSpPr>
+        <p:spPr/>
+        <p:txBody>
+          <a:bodyPr/>
+          <a:lstStyle/>
+          <a:p>
+            <a:r>
+              <a:rPr lang="en-US" dirty="0" err="1"/>
+              <a:t>Lagares</a:t>
+            </a:r>
+            <a:endParaRPr lang="en-US" dirty="0"/>
+          </a:p>
+        </p:txBody>
+      </p:sp>
+      <p:sp>
+        <p:nvSpPr>
+          <p:cNvPr id="4" name="Slide Number Placeholder 3"/>
+          <p:cNvSpPr>
+            <a:spLocks noGrp="1"/>
+          </p:cNvSpPr>
+          <p:nvPr>
+            <p:ph type="sldNum" sz="quarter" idx="10"/>
+          </p:nvPr>
+        </p:nvSpPr>
+        <p:spPr/>
+        <p:txBody>
+          <a:bodyPr/>
+          <a:lstStyle/>
+          <a:p>
+            <a:pPr>
+              <a:defRPr/>
+            </a:pPr>
+            <a:fld id="{B7B05DEF-6DE7-4BF9-8DBB-FF904A788E50}" type="slidenum">
+              <a:rPr lang="en-US" smtClean="0"/>
+              <a:pPr>
+                <a:defRPr/>
+              </a:pPr>
+              <a:t>9</a:t>
+            </a:fld>
+            <a:endParaRPr lang="en-US" dirty="0"/>
+          </a:p>
+        </p:txBody>
+      </p:sp>
+    </p:spTree>
+    <p:extLst>
+      <p:ext uri="{BB962C8B-B14F-4D97-AF65-F5344CB8AC3E}">
+        <p14:creationId xmlns:p14="http://schemas.microsoft.com/office/powerpoint/2010/main" val="588805951"/>
+      </p:ext>
+    </p:extLst>
+  </p:cSld>
+  <p:clrMapOvr>
+    <a:masterClrMapping/>
+  </p:clrMapOvr>
+</p:notes>
+</file>
+
+<file path=ppt/notesSlides/notesSlide9.xml><?xml version="1.0" encoding="utf-8"?>
+<p:notes xmlns:a="http://schemas.openxmlformats.org/drawingml/2006/main" xmlns:r="http://schemas.openxmlformats.org/officeDocument/2006/relationships" xmlns:p="http://schemas.openxmlformats.org/presentationml/2006/main">
+  <p:cSld>
+    <p:spTree>
+      <p:nvGrpSpPr>
+        <p:cNvPr id="1" name=""/>
+        <p:cNvGrpSpPr/>
+        <p:nvPr/>
+      </p:nvGrpSpPr>
+      <p:grpSpPr>
+        <a:xfrm>
+          <a:off x="0" y="0"/>
+          <a:ext cx="0" cy="0"/>
+          <a:chOff x="0" y="0"/>
+          <a:chExt cx="0" cy="0"/>
+        </a:xfrm>
+      </p:grpSpPr>
+      <p:sp>
+        <p:nvSpPr>
+          <p:cNvPr id="2" name="Slide Image Placeholder 1"/>
+          <p:cNvSpPr>
+            <a:spLocks noGrp="1" noRot="1" noChangeAspect="1"/>
+          </p:cNvSpPr>
+          <p:nvPr>
+            <p:ph type="sldImg"/>
+          </p:nvPr>
+        </p:nvSpPr>
+        <p:spPr/>
+      </p:sp>
+      <p:sp>
+        <p:nvSpPr>
+          <p:cNvPr id="3" name="Notes Placeholder 2"/>
+          <p:cNvSpPr>
+            <a:spLocks noGrp="1"/>
+          </p:cNvSpPr>
+          <p:nvPr>
+            <p:ph type="body" idx="1"/>
+          </p:nvPr>
+        </p:nvSpPr>
+        <p:spPr/>
+        <p:txBody>
+          <a:bodyPr/>
+          <a:lstStyle/>
+          <a:p>
+            <a:r>
+              <a:rPr lang="en-US" dirty="0" err="1"/>
+              <a:t>Lagares</a:t>
+            </a:r>
+            <a:endParaRPr lang="en-US" dirty="0"/>
+          </a:p>
+        </p:txBody>
+      </p:sp>
+      <p:sp>
+        <p:nvSpPr>
+          <p:cNvPr id="4" name="Slide Number Placeholder 3"/>
+          <p:cNvSpPr>
+            <a:spLocks noGrp="1"/>
+          </p:cNvSpPr>
+          <p:nvPr>
+            <p:ph type="sldNum" sz="quarter" idx="10"/>
+          </p:nvPr>
+        </p:nvSpPr>
+        <p:spPr/>
+        <p:txBody>
+          <a:bodyPr/>
+          <a:lstStyle/>
+          <a:p>
+            <a:pPr>
+              <a:defRPr/>
+            </a:pPr>
+            <a:fld id="{B7B05DEF-6DE7-4BF9-8DBB-FF904A788E50}" type="slidenum">
+              <a:rPr lang="en-US" smtClean="0"/>
+              <a:pPr>
+                <a:defRPr/>
+              </a:pPr>
+              <a:t>10</a:t>
+            </a:fld>
+            <a:endParaRPr lang="en-US" dirty="0"/>
+          </a:p>
+        </p:txBody>
+      </p:sp>
+    </p:spTree>
+    <p:extLst>
+      <p:ext uri="{BB962C8B-B14F-4D97-AF65-F5344CB8AC3E}">
+        <p14:creationId xmlns:p14="http://schemas.microsoft.com/office/powerpoint/2010/main" val="2258230745"/>
+      </p:ext>
+    </p:extLst>
+  </p:cSld>
+  <p:clrMapOvr>
+    <a:masterClrMapping/>
+  </p:clrMapOvr>
+</p:notes>
 </file>
 
 <file path=ppt/slideLayouts/slideLayout1.xml><?xml version="1.0" encoding="utf-8"?>
@@ -4404,7 +5534,7 @@
           <p:nvPr/>
         </p:nvPicPr>
         <p:blipFill>
-          <a:blip r:embed="rId2" cstate="print">
+          <a:blip r:embed="rId3" cstate="print">
             <a:extLst>
               <a:ext uri="{28A0092B-C50C-407E-A947-70E740481C1C}">
                 <a14:useLocalDpi xmlns:a14="http://schemas.microsoft.com/office/drawing/2010/main" val="0"/>
@@ -4438,7 +5568,7 @@
           <p:nvPr/>
         </p:nvPicPr>
         <p:blipFill>
-          <a:blip r:embed="rId3" cstate="print">
+          <a:blip r:embed="rId4" cstate="print">
             <a:extLst>
               <a:ext uri="{28A0092B-C50C-407E-A947-70E740481C1C}">
                 <a14:useLocalDpi xmlns:a14="http://schemas.microsoft.com/office/drawing/2010/main" val="0"/>
@@ -4472,7 +5602,7 @@
           <p:nvPr/>
         </p:nvPicPr>
         <p:blipFill>
-          <a:blip r:embed="rId4" cstate="print">
+          <a:blip r:embed="rId5" cstate="print">
             <a:extLst>
               <a:ext uri="{28A0092B-C50C-407E-A947-70E740481C1C}">
                 <a14:useLocalDpi xmlns:a14="http://schemas.microsoft.com/office/drawing/2010/main" val="0"/>
@@ -4587,7 +5717,7 @@
           <p:nvPr/>
         </p:nvPicPr>
         <p:blipFill>
-          <a:blip r:embed="rId2" cstate="print">
+          <a:blip r:embed="rId3" cstate="print">
             <a:extLst>
               <a:ext uri="{28A0092B-C50C-407E-A947-70E740481C1C}">
                 <a14:useLocalDpi xmlns:a14="http://schemas.microsoft.com/office/drawing/2010/main" val="0"/>
@@ -4747,7 +5877,7 @@
           <p:nvPr/>
         </p:nvPicPr>
         <p:blipFill rotWithShape="1">
-          <a:blip r:embed="rId2" cstate="print">
+          <a:blip r:embed="rId3" cstate="print">
             <a:extLst>
               <a:ext uri="{28A0092B-C50C-407E-A947-70E740481C1C}">
                 <a14:useLocalDpi xmlns:a14="http://schemas.microsoft.com/office/drawing/2010/main" val="0"/>
@@ -4834,6 +5964,135 @@
 </file>
 
 <file path=ppt/slides/slide13.xml><?xml version="1.0" encoding="utf-8"?>
+<p:sld xmlns:a="http://schemas.openxmlformats.org/drawingml/2006/main" xmlns:r="http://schemas.openxmlformats.org/officeDocument/2006/relationships" xmlns:p="http://schemas.openxmlformats.org/presentationml/2006/main">
+  <p:cSld>
+    <p:spTree>
+      <p:nvGrpSpPr>
+        <p:cNvPr id="1" name=""/>
+        <p:cNvGrpSpPr/>
+        <p:nvPr/>
+      </p:nvGrpSpPr>
+      <p:grpSpPr>
+        <a:xfrm>
+          <a:off x="0" y="0"/>
+          <a:ext cx="0" cy="0"/>
+          <a:chOff x="0" y="0"/>
+          <a:chExt cx="0" cy="0"/>
+        </a:xfrm>
+      </p:grpSpPr>
+      <p:sp>
+        <p:nvSpPr>
+          <p:cNvPr id="2" name="Title 1">
+            <a:extLst>
+              <a:ext uri="{FF2B5EF4-FFF2-40B4-BE49-F238E27FC236}">
+                <a16:creationId xmlns:a16="http://schemas.microsoft.com/office/drawing/2014/main" id="{810F0031-A9FF-D34E-B6DA-0A6BA7DC8321}"/>
+              </a:ext>
+            </a:extLst>
+          </p:cNvPr>
+          <p:cNvSpPr>
+            <a:spLocks noGrp="1"/>
+          </p:cNvSpPr>
+          <p:nvPr>
+            <p:ph type="title"/>
+          </p:nvPr>
+        </p:nvSpPr>
+        <p:spPr/>
+        <p:txBody>
+          <a:bodyPr/>
+          <a:lstStyle/>
+          <a:p>
+            <a:r>
+              <a:rPr lang="en-US" dirty="0"/>
+              <a:t>References</a:t>
+            </a:r>
+          </a:p>
+        </p:txBody>
+      </p:sp>
+      <p:pic>
+        <p:nvPicPr>
+          <p:cNvPr id="6" name="Content Placeholder 5">
+            <a:extLst>
+              <a:ext uri="{FF2B5EF4-FFF2-40B4-BE49-F238E27FC236}">
+                <a16:creationId xmlns:a16="http://schemas.microsoft.com/office/drawing/2014/main" id="{6FCE2F20-1531-D844-98D4-0D295415D8F4}"/>
+              </a:ext>
+            </a:extLst>
+          </p:cNvPr>
+          <p:cNvPicPr>
+            <a:picLocks noGrp="1" noChangeAspect="1"/>
+          </p:cNvPicPr>
+          <p:nvPr>
+            <p:ph idx="1"/>
+          </p:nvPr>
+        </p:nvPicPr>
+        <p:blipFill>
+          <a:blip r:embed="rId3">
+            <a:alphaModFix amt="70000"/>
+            <a:extLst>
+              <a:ext uri="{28A0092B-C50C-407E-A947-70E740481C1C}">
+                <a14:useLocalDpi xmlns:a14="http://schemas.microsoft.com/office/drawing/2010/main" val="0"/>
+              </a:ext>
+            </a:extLst>
+          </a:blip>
+          <a:stretch>
+            <a:fillRect/>
+          </a:stretch>
+        </p:blipFill>
+        <p:spPr>
+          <a:xfrm>
+            <a:off x="1714500" y="1520197"/>
+            <a:ext cx="5715000" cy="5185403"/>
+          </a:xfrm>
+        </p:spPr>
+      </p:pic>
+      <p:sp>
+        <p:nvSpPr>
+          <p:cNvPr id="4" name="Slide Number Placeholder 3">
+            <a:extLst>
+              <a:ext uri="{FF2B5EF4-FFF2-40B4-BE49-F238E27FC236}">
+                <a16:creationId xmlns:a16="http://schemas.microsoft.com/office/drawing/2014/main" id="{829EF3C1-423D-5042-BC89-F949E3BCA6FA}"/>
+              </a:ext>
+            </a:extLst>
+          </p:cNvPr>
+          <p:cNvSpPr>
+            <a:spLocks noGrp="1"/>
+          </p:cNvSpPr>
+          <p:nvPr>
+            <p:ph type="sldNum" sz="quarter" idx="12"/>
+          </p:nvPr>
+        </p:nvSpPr>
+        <p:spPr/>
+        <p:txBody>
+          <a:bodyPr/>
+          <a:lstStyle/>
+          <a:p>
+            <a:pPr>
+              <a:defRPr/>
+            </a:pPr>
+            <a:fld id="{DF317779-8E6C-47D5-BE9C-F5E8CE6A8331}" type="slidenum">
+              <a:rPr lang="en-US" smtClean="0"/>
+              <a:pPr>
+                <a:defRPr/>
+              </a:pPr>
+              <a:t>13</a:t>
+            </a:fld>
+            <a:endParaRPr lang="en-US" dirty="0"/>
+          </a:p>
+        </p:txBody>
+      </p:sp>
+    </p:spTree>
+    <p:extLst>
+      <p:ext uri="{BB962C8B-B14F-4D97-AF65-F5344CB8AC3E}">
+        <p14:creationId xmlns:p14="http://schemas.microsoft.com/office/powerpoint/2010/main" val="167753484"/>
+      </p:ext>
+    </p:extLst>
+  </p:cSld>
+  <p:clrMapOvr>
+    <a:masterClrMapping/>
+  </p:clrMapOvr>
+</p:sld>
+</file>
+
+<file path=ppt/slides/slide14.xml><?xml version="1.0" encoding="utf-8"?>
 <p:sld xmlns:a="http://schemas.openxmlformats.org/drawingml/2006/main" xmlns:r="http://schemas.openxmlformats.org/officeDocument/2006/relationships" xmlns:p="http://schemas.openxmlformats.org/presentationml/2006/main">
   <p:cSld>
     <p:spTree>
@@ -5197,7 +6456,7 @@
           <p:nvPr/>
         </p:nvPicPr>
         <p:blipFill>
-          <a:blip r:embed="rId2" cstate="print">
+          <a:blip r:embed="rId3" cstate="print">
             <a:extLst>
               <a:ext uri="{28A0092B-C50C-407E-A947-70E740481C1C}">
                 <a14:useLocalDpi xmlns:a14="http://schemas.microsoft.com/office/drawing/2010/main" val="0"/>
@@ -10953,7 +12212,7 @@
           <p:nvPr/>
         </p:nvPicPr>
         <p:blipFill>
-          <a:blip r:embed="rId2" cstate="print">
+          <a:blip r:embed="rId3" cstate="print">
             <a:extLst>
               <a:ext uri="{28A0092B-C50C-407E-A947-70E740481C1C}">
                 <a14:useLocalDpi xmlns:a14="http://schemas.microsoft.com/office/drawing/2010/main" val="0"/>
@@ -10987,7 +12246,7 @@
           <p:nvPr/>
         </p:nvPicPr>
         <p:blipFill>
-          <a:blip r:embed="rId3" cstate="print">
+          <a:blip r:embed="rId4" cstate="print">
             <a:extLst>
               <a:ext uri="{28A0092B-C50C-407E-A947-70E740481C1C}">
                 <a14:useLocalDpi xmlns:a14="http://schemas.microsoft.com/office/drawing/2010/main" val="0"/>
@@ -11021,7 +12280,7 @@
           <p:nvPr/>
         </p:nvPicPr>
         <p:blipFill>
-          <a:blip r:embed="rId4" cstate="print">
+          <a:blip r:embed="rId5" cstate="print">
             <a:extLst>
               <a:ext uri="{28A0092B-C50C-407E-A947-70E740481C1C}">
                 <a14:useLocalDpi xmlns:a14="http://schemas.microsoft.com/office/drawing/2010/main" val="0"/>
@@ -12517,18 +13776,18 @@
 </file>
 
 <file path=customXml/item1.xml><?xml version="1.0" encoding="utf-8"?>
-<p:properties xmlns:p="http://schemas.microsoft.com/office/2006/metadata/properties" xmlns:xsi="http://www.w3.org/2001/XMLSchema-instance">
-  <documentManagement/>
-</p:properties>
-</file>
-
-<file path=customXml/item2.xml><?xml version="1.0" encoding="utf-8"?>
 <?mso-contentType ?>
 <FormTemplates xmlns="http://schemas.microsoft.com/sharepoint/v3/contenttype/forms">
   <Display>DocumentLibraryForm</Display>
   <Edit>DocumentLibraryForm</Edit>
   <New>DocumentLibraryForm</New>
 </FormTemplates>
+</file>
+
+<file path=customXml/item2.xml><?xml version="1.0" encoding="utf-8"?>
+<p:properties xmlns:p="http://schemas.microsoft.com/office/2006/metadata/properties" xmlns:xsi="http://www.w3.org/2001/XMLSchema-instance">
+  <documentManagement/>
+</p:properties>
 </file>
 
 <file path=customXml/item3.xml><?xml version="1.0" encoding="utf-8"?>
@@ -12581,6 +13840,14 @@
 </file>
 
 <file path=customXml/itemProps1.xml><?xml version="1.0" encoding="utf-8"?>
+<ds:datastoreItem xmlns:ds="http://schemas.openxmlformats.org/officeDocument/2006/customXml" ds:itemID="{53F3348E-F4F4-4BE8-8083-AA7D450E2FAD}">
+  <ds:schemaRefs>
+    <ds:schemaRef ds:uri="http://schemas.microsoft.com/sharepoint/v3/contenttype/forms"/>
+  </ds:schemaRefs>
+</ds:datastoreItem>
+</file>
+
+<file path=customXml/itemProps2.xml><?xml version="1.0" encoding="utf-8"?>
 <ds:datastoreItem xmlns:ds="http://schemas.openxmlformats.org/officeDocument/2006/customXml" ds:itemID="{A414BE1A-A2C4-4862-8AD0-8BDC37D6A979}">
   <ds:schemaRefs>
     <ds:schemaRef ds:uri="http://purl.org/dc/elements/1.1/"/>
@@ -12590,14 +13857,6 @@
     <ds:schemaRef ds:uri="http://schemas.microsoft.com/office/2006/documentManagement/types"/>
     <ds:schemaRef ds:uri="http://www.w3.org/XML/1998/namespace"/>
     <ds:schemaRef ds:uri="http://purl.org/dc/dcmitype/"/>
-  </ds:schemaRefs>
-</ds:datastoreItem>
-</file>
-
-<file path=customXml/itemProps2.xml><?xml version="1.0" encoding="utf-8"?>
-<ds:datastoreItem xmlns:ds="http://schemas.openxmlformats.org/officeDocument/2006/customXml" ds:itemID="{53F3348E-F4F4-4BE8-8083-AA7D450E2FAD}">
-  <ds:schemaRefs>
-    <ds:schemaRef ds:uri="http://schemas.microsoft.com/sharepoint/v3/contenttype/forms"/>
   </ds:schemaRefs>
 </ds:datastoreItem>
 </file>
